--- a/docs/diagrams/InitialiseMapSequenceDiagram.pptx
+++ b/docs/diagrams/InitialiseMapSequenceDiagram.pptx
@@ -208,7 +208,7 @@
           <a:p>
             <a:fld id="{F5CC4B3F-88C1-4FFA-B1B6-F41C21DC6924}" type="datetimeFigureOut">
               <a:rPr lang="en-US" smtClean="0"/>
-              <a:t>3/25/2019</a:t>
+              <a:t>4/3/2019</a:t>
             </a:fld>
             <a:endParaRPr lang="en-US"/>
           </a:p>
@@ -654,7 +654,7 @@
           <a:p>
             <a:fld id="{78C97017-6FC3-485B-9764-EAC9E56C1D49}" type="datetimeFigureOut">
               <a:rPr lang="en-US" smtClean="0"/>
-              <a:t>3/25/2019</a:t>
+              <a:t>4/3/2019</a:t>
             </a:fld>
             <a:endParaRPr lang="en-US"/>
           </a:p>
@@ -822,7 +822,7 @@
           <a:p>
             <a:fld id="{78C97017-6FC3-485B-9764-EAC9E56C1D49}" type="datetimeFigureOut">
               <a:rPr lang="en-US" smtClean="0"/>
-              <a:t>3/25/2019</a:t>
+              <a:t>4/3/2019</a:t>
             </a:fld>
             <a:endParaRPr lang="en-US"/>
           </a:p>
@@ -1000,7 +1000,7 @@
           <a:p>
             <a:fld id="{78C97017-6FC3-485B-9764-EAC9E56C1D49}" type="datetimeFigureOut">
               <a:rPr lang="en-US" smtClean="0"/>
-              <a:t>3/25/2019</a:t>
+              <a:t>4/3/2019</a:t>
             </a:fld>
             <a:endParaRPr lang="en-US"/>
           </a:p>
@@ -1168,7 +1168,7 @@
           <a:p>
             <a:fld id="{78C97017-6FC3-485B-9764-EAC9E56C1D49}" type="datetimeFigureOut">
               <a:rPr lang="en-US" smtClean="0"/>
-              <a:t>3/25/2019</a:t>
+              <a:t>4/3/2019</a:t>
             </a:fld>
             <a:endParaRPr lang="en-US"/>
           </a:p>
@@ -1413,7 +1413,7 @@
           <a:p>
             <a:fld id="{78C97017-6FC3-485B-9764-EAC9E56C1D49}" type="datetimeFigureOut">
               <a:rPr lang="en-US" smtClean="0"/>
-              <a:t>3/25/2019</a:t>
+              <a:t>4/3/2019</a:t>
             </a:fld>
             <a:endParaRPr lang="en-US"/>
           </a:p>
@@ -1698,7 +1698,7 @@
           <a:p>
             <a:fld id="{78C97017-6FC3-485B-9764-EAC9E56C1D49}" type="datetimeFigureOut">
               <a:rPr lang="en-US" smtClean="0"/>
-              <a:t>3/25/2019</a:t>
+              <a:t>4/3/2019</a:t>
             </a:fld>
             <a:endParaRPr lang="en-US"/>
           </a:p>
@@ -2117,7 +2117,7 @@
           <a:p>
             <a:fld id="{78C97017-6FC3-485B-9764-EAC9E56C1D49}" type="datetimeFigureOut">
               <a:rPr lang="en-US" smtClean="0"/>
-              <a:t>3/25/2019</a:t>
+              <a:t>4/3/2019</a:t>
             </a:fld>
             <a:endParaRPr lang="en-US"/>
           </a:p>
@@ -2234,7 +2234,7 @@
           <a:p>
             <a:fld id="{78C97017-6FC3-485B-9764-EAC9E56C1D49}" type="datetimeFigureOut">
               <a:rPr lang="en-US" smtClean="0"/>
-              <a:t>3/25/2019</a:t>
+              <a:t>4/3/2019</a:t>
             </a:fld>
             <a:endParaRPr lang="en-US"/>
           </a:p>
@@ -2329,7 +2329,7 @@
           <a:p>
             <a:fld id="{78C97017-6FC3-485B-9764-EAC9E56C1D49}" type="datetimeFigureOut">
               <a:rPr lang="en-US" smtClean="0"/>
-              <a:t>3/25/2019</a:t>
+              <a:t>4/3/2019</a:t>
             </a:fld>
             <a:endParaRPr lang="en-US"/>
           </a:p>
@@ -2604,7 +2604,7 @@
           <a:p>
             <a:fld id="{78C97017-6FC3-485B-9764-EAC9E56C1D49}" type="datetimeFigureOut">
               <a:rPr lang="en-US" smtClean="0"/>
-              <a:t>3/25/2019</a:t>
+              <a:t>4/3/2019</a:t>
             </a:fld>
             <a:endParaRPr lang="en-US"/>
           </a:p>
@@ -2856,7 +2856,7 @@
           <a:p>
             <a:fld id="{78C97017-6FC3-485B-9764-EAC9E56C1D49}" type="datetimeFigureOut">
               <a:rPr lang="en-US" smtClean="0"/>
-              <a:t>3/25/2019</a:t>
+              <a:t>4/3/2019</a:t>
             </a:fld>
             <a:endParaRPr lang="en-US"/>
           </a:p>
@@ -3067,7 +3067,7 @@
           <a:p>
             <a:fld id="{78C97017-6FC3-485B-9764-EAC9E56C1D49}" type="datetimeFigureOut">
               <a:rPr lang="en-US" smtClean="0"/>
-              <a:t>3/25/2019</a:t>
+              <a:t>4/3/2019</a:t>
             </a:fld>
             <a:endParaRPr lang="en-US"/>
           </a:p>
@@ -4175,7 +4175,7 @@
         </p:nvCxnSpPr>
         <p:spPr>
           <a:xfrm>
-            <a:off x="4128665" y="1974754"/>
+            <a:off x="4138477" y="2024895"/>
             <a:ext cx="1414408" cy="0"/>
           </a:xfrm>
           <a:prstGeom prst="straightConnector1">
@@ -4215,8 +4215,8 @@
         </p:nvCxnSpPr>
         <p:spPr>
           <a:xfrm>
-            <a:off x="1727808" y="2922095"/>
-            <a:ext cx="2270334" cy="0"/>
+            <a:off x="1710907" y="2938013"/>
+            <a:ext cx="2287233" cy="0"/>
           </a:xfrm>
           <a:prstGeom prst="straightConnector1">
             <a:avLst/>
@@ -4756,8 +4756,8 @@
         </p:nvCxnSpPr>
         <p:spPr>
           <a:xfrm>
-            <a:off x="1727806" y="1499176"/>
-            <a:ext cx="2256706" cy="1"/>
+            <a:off x="1640681" y="1501064"/>
+            <a:ext cx="2357457" cy="0"/>
           </a:xfrm>
           <a:prstGeom prst="straightConnector1">
             <a:avLst/>
@@ -5173,13 +5173,14 @@
           </p:cNvPr>
           <p:cNvCxnSpPr>
             <a:cxnSpLocks/>
+            <a:endCxn id="73" idx="1"/>
           </p:cNvCxnSpPr>
           <p:nvPr/>
         </p:nvCxnSpPr>
         <p:spPr>
-          <a:xfrm flipV="1">
-            <a:off x="5707727" y="2390308"/>
-            <a:ext cx="884448" cy="1"/>
+          <a:xfrm>
+            <a:off x="5697838" y="2403695"/>
+            <a:ext cx="909763" cy="0"/>
           </a:xfrm>
           <a:prstGeom prst="straightConnector1">
             <a:avLst/>
@@ -5268,7 +5269,7 @@
         </p:nvCxnSpPr>
         <p:spPr>
           <a:xfrm>
-            <a:off x="4152549" y="2853509"/>
+            <a:off x="4152546" y="2871119"/>
             <a:ext cx="1390528" cy="0"/>
           </a:xfrm>
           <a:prstGeom prst="straightConnector1">
